--- a/docs/diagrams/LogoutCommandExample.pptx
+++ b/docs/diagrams/LogoutCommandExample.pptx
@@ -5,10 +5,11 @@
     <p:sldMasterId id="2147483648" r:id="rId1"/>
   </p:sldMasterIdLst>
   <p:sldIdLst>
-    <p:sldId id="256" r:id="rId3"/>
+    <p:sldId id="256" r:id="rId2"/>
+    <p:sldId id="257" r:id="rId3"/>
   </p:sldIdLst>
   <p:sldSz cx="12192000" cy="6858000"/>
-  <p:notesSz cx="7103745" cy="10234295"/>
+  <p:notesSz cx="7104063" cy="10234613"/>
   <p:defaultTextStyle>
     <a:defPPr>
       <a:defRPr lang="en-US"/>
@@ -104,6 +105,14 @@
       </a:defRPr>
     </a:lvl9pPr>
   </p:defaultTextStyle>
+  <p:extLst>
+    <p:ext uri="{EFAFB233-063F-42B5-8137-9DF3F51BA10A}">
+      <p15:sldGuideLst xmlns:p15="http://schemas.microsoft.com/office/powerpoint/2012/main"/>
+    </p:ext>
+    <p:ext uri="{2D200454-40CA-4A62-9FC3-DE9A4176ACB9}">
+      <p15:notesGuideLst xmlns:p15="http://schemas.microsoft.com/office/powerpoint/2012/main"/>
+    </p:ext>
+  </p:extLst>
 </p:presentation>
 </file>
 
@@ -149,10 +158,9 @@
           </a:lstStyle>
           <a:p>
             <a:r>
-              <a:rPr lang="en-US" smtClean="0"/>
+              <a:rPr lang="en-US"/>
               <a:t>Click to edit Master title style</a:t>
             </a:r>
-            <a:endParaRPr lang="en-US"/>
           </a:p>
         </p:txBody>
       </p:sp>
@@ -214,10 +222,9 @@
           </a:lstStyle>
           <a:p>
             <a:r>
-              <a:rPr lang="en-US" smtClean="0"/>
+              <a:rPr lang="en-US"/>
               <a:t>Click to edit Master subtitle style</a:t>
             </a:r>
-            <a:endParaRPr lang="en-US"/>
           </a:p>
         </p:txBody>
       </p:sp>
@@ -238,6 +245,7 @@
           <a:p>
             <a:fld id="{FDE934FF-F4E1-47C5-9CA5-30A81DDE2BE4}" type="datetimeFigureOut">
               <a:rPr lang="en-US" smtClean="0"/>
+              <a:t>11/11/2018</a:t>
             </a:fld>
             <a:endParaRPr lang="en-US"/>
           </a:p>
@@ -279,6 +287,7 @@
           <a:p>
             <a:fld id="{B3561BA9-CDCF-4958-B8AB-66F3BF063E13}" type="slidenum">
               <a:rPr lang="en-US" smtClean="0"/>
+              <a:t>‹#›</a:t>
             </a:fld>
             <a:endParaRPr lang="en-US"/>
           </a:p>
@@ -331,42 +340,37 @@
           <a:p>
             <a:pPr lvl="0"/>
             <a:r>
-              <a:rPr lang="en-US" smtClean="0"/>
+              <a:rPr lang="en-US"/>
               <a:t>Click to edit Master text styles</a:t>
             </a:r>
-            <a:endParaRPr lang="en-US" smtClean="0"/>
           </a:p>
           <a:p>
             <a:pPr lvl="1"/>
             <a:r>
-              <a:rPr lang="en-US" smtClean="0"/>
+              <a:rPr lang="en-US"/>
               <a:t>Second level</a:t>
             </a:r>
-            <a:endParaRPr lang="en-US" smtClean="0"/>
           </a:p>
           <a:p>
             <a:pPr lvl="2"/>
             <a:r>
-              <a:rPr lang="en-US" smtClean="0"/>
+              <a:rPr lang="en-US"/>
               <a:t>Third level</a:t>
             </a:r>
-            <a:endParaRPr lang="en-US" smtClean="0"/>
           </a:p>
           <a:p>
             <a:pPr lvl="3"/>
             <a:r>
-              <a:rPr lang="en-US" smtClean="0"/>
+              <a:rPr lang="en-US"/>
               <a:t>Fourth level</a:t>
             </a:r>
-            <a:endParaRPr lang="en-US" smtClean="0"/>
           </a:p>
           <a:p>
             <a:pPr lvl="4"/>
             <a:r>
-              <a:rPr lang="en-US" smtClean="0"/>
+              <a:rPr lang="en-US"/>
               <a:t>Fifth level</a:t>
             </a:r>
-            <a:endParaRPr lang="en-US"/>
           </a:p>
         </p:txBody>
       </p:sp>
@@ -387,6 +391,7 @@
           <a:p>
             <a:fld id="{FDE934FF-F4E1-47C5-9CA5-30A81DDE2BE4}" type="datetimeFigureOut">
               <a:rPr lang="en-US" smtClean="0"/>
+              <a:t>11/11/2018</a:t>
             </a:fld>
             <a:endParaRPr lang="en-US"/>
           </a:p>
@@ -428,6 +433,7 @@
           <a:p>
             <a:fld id="{B3561BA9-CDCF-4958-B8AB-66F3BF063E13}" type="slidenum">
               <a:rPr lang="en-US" smtClean="0"/>
+              <a:t>‹#›</a:t>
             </a:fld>
             <a:endParaRPr lang="en-US"/>
           </a:p>
@@ -474,10 +480,9 @@
           <a:lstStyle/>
           <a:p>
             <a:r>
-              <a:rPr lang="en-US" smtClean="0"/>
+              <a:rPr lang="en-US"/>
               <a:t>Click to edit Master title style</a:t>
             </a:r>
-            <a:endParaRPr lang="en-US"/>
           </a:p>
         </p:txBody>
       </p:sp>
@@ -498,42 +503,37 @@
           <a:p>
             <a:pPr lvl="0"/>
             <a:r>
-              <a:rPr lang="en-US" smtClean="0"/>
+              <a:rPr lang="en-US"/>
               <a:t>Click to edit Master text styles</a:t>
             </a:r>
-            <a:endParaRPr lang="en-US" smtClean="0"/>
           </a:p>
           <a:p>
             <a:pPr lvl="1"/>
             <a:r>
-              <a:rPr lang="en-US" smtClean="0"/>
+              <a:rPr lang="en-US"/>
               <a:t>Second level</a:t>
             </a:r>
-            <a:endParaRPr lang="en-US" smtClean="0"/>
           </a:p>
           <a:p>
             <a:pPr lvl="2"/>
             <a:r>
-              <a:rPr lang="en-US" smtClean="0"/>
+              <a:rPr lang="en-US"/>
               <a:t>Third level</a:t>
             </a:r>
-            <a:endParaRPr lang="en-US" smtClean="0"/>
           </a:p>
           <a:p>
             <a:pPr lvl="3"/>
             <a:r>
-              <a:rPr lang="en-US" smtClean="0"/>
+              <a:rPr lang="en-US"/>
               <a:t>Fourth level</a:t>
             </a:r>
-            <a:endParaRPr lang="en-US" smtClean="0"/>
           </a:p>
           <a:p>
             <a:pPr lvl="4"/>
             <a:r>
-              <a:rPr lang="en-US" smtClean="0"/>
+              <a:rPr lang="en-US"/>
               <a:t>Fifth level</a:t>
             </a:r>
-            <a:endParaRPr lang="en-US"/>
           </a:p>
         </p:txBody>
       </p:sp>
@@ -554,6 +554,7 @@
           <a:p>
             <a:fld id="{FDE934FF-F4E1-47C5-9CA5-30A81DDE2BE4}" type="datetimeFigureOut">
               <a:rPr lang="en-US" smtClean="0"/>
+              <a:t>11/11/2018</a:t>
             </a:fld>
             <a:endParaRPr lang="en-US"/>
           </a:p>
@@ -595,6 +596,7 @@
           <a:p>
             <a:fld id="{B3561BA9-CDCF-4958-B8AB-66F3BF063E13}" type="slidenum">
               <a:rPr lang="en-US" smtClean="0"/>
+              <a:t>‹#›</a:t>
             </a:fld>
             <a:endParaRPr lang="en-US"/>
           </a:p>
@@ -650,10 +652,9 @@
           </a:lstStyle>
           <a:p>
             <a:r>
-              <a:rPr lang="en-US" smtClean="0"/>
+              <a:rPr lang="en-US"/>
               <a:t>Click to edit Master title style</a:t>
             </a:r>
-            <a:endParaRPr lang="en-US"/>
           </a:p>
         </p:txBody>
       </p:sp>
@@ -770,10 +771,9 @@
           <a:p>
             <a:pPr lvl="0"/>
             <a:r>
-              <a:rPr lang="en-US" smtClean="0"/>
+              <a:rPr lang="en-US"/>
               <a:t>Click to edit Master text styles</a:t>
             </a:r>
-            <a:endParaRPr lang="en-US" smtClean="0"/>
           </a:p>
         </p:txBody>
       </p:sp>
@@ -794,6 +794,7 @@
           <a:p>
             <a:fld id="{FDE934FF-F4E1-47C5-9CA5-30A81DDE2BE4}" type="datetimeFigureOut">
               <a:rPr lang="en-US" smtClean="0"/>
+              <a:t>11/11/2018</a:t>
             </a:fld>
             <a:endParaRPr lang="en-US"/>
           </a:p>
@@ -835,6 +836,7 @@
           <a:p>
             <a:fld id="{B3561BA9-CDCF-4958-B8AB-66F3BF063E13}" type="slidenum">
               <a:rPr lang="en-US" smtClean="0"/>
+              <a:t>‹#›</a:t>
             </a:fld>
             <a:endParaRPr lang="en-US"/>
           </a:p>
@@ -881,10 +883,9 @@
           <a:lstStyle/>
           <a:p>
             <a:r>
-              <a:rPr lang="en-US" smtClean="0"/>
+              <a:rPr lang="en-US"/>
               <a:t>Click to edit Master title style</a:t>
             </a:r>
-            <a:endParaRPr lang="en-US"/>
           </a:p>
         </p:txBody>
       </p:sp>
@@ -910,42 +911,37 @@
           <a:p>
             <a:pPr lvl="0"/>
             <a:r>
-              <a:rPr lang="en-US" smtClean="0"/>
+              <a:rPr lang="en-US"/>
               <a:t>Click to edit Master text styles</a:t>
             </a:r>
-            <a:endParaRPr lang="en-US" smtClean="0"/>
           </a:p>
           <a:p>
             <a:pPr lvl="1"/>
             <a:r>
-              <a:rPr lang="en-US" smtClean="0"/>
+              <a:rPr lang="en-US"/>
               <a:t>Second level</a:t>
             </a:r>
-            <a:endParaRPr lang="en-US" smtClean="0"/>
           </a:p>
           <a:p>
             <a:pPr lvl="2"/>
             <a:r>
-              <a:rPr lang="en-US" smtClean="0"/>
+              <a:rPr lang="en-US"/>
               <a:t>Third level</a:t>
             </a:r>
-            <a:endParaRPr lang="en-US" smtClean="0"/>
           </a:p>
           <a:p>
             <a:pPr lvl="3"/>
             <a:r>
-              <a:rPr lang="en-US" smtClean="0"/>
+              <a:rPr lang="en-US"/>
               <a:t>Fourth level</a:t>
             </a:r>
-            <a:endParaRPr lang="en-US" smtClean="0"/>
           </a:p>
           <a:p>
             <a:pPr lvl="4"/>
             <a:r>
-              <a:rPr lang="en-US" smtClean="0"/>
+              <a:rPr lang="en-US"/>
               <a:t>Fifth level</a:t>
             </a:r>
-            <a:endParaRPr lang="en-US"/>
           </a:p>
         </p:txBody>
       </p:sp>
@@ -971,42 +967,37 @@
           <a:p>
             <a:pPr lvl="0"/>
             <a:r>
-              <a:rPr lang="en-US" smtClean="0"/>
+              <a:rPr lang="en-US"/>
               <a:t>Click to edit Master text styles</a:t>
             </a:r>
-            <a:endParaRPr lang="en-US" smtClean="0"/>
           </a:p>
           <a:p>
             <a:pPr lvl="1"/>
             <a:r>
-              <a:rPr lang="en-US" smtClean="0"/>
+              <a:rPr lang="en-US"/>
               <a:t>Second level</a:t>
             </a:r>
-            <a:endParaRPr lang="en-US" smtClean="0"/>
           </a:p>
           <a:p>
             <a:pPr lvl="2"/>
             <a:r>
-              <a:rPr lang="en-US" smtClean="0"/>
+              <a:rPr lang="en-US"/>
               <a:t>Third level</a:t>
             </a:r>
-            <a:endParaRPr lang="en-US" smtClean="0"/>
           </a:p>
           <a:p>
             <a:pPr lvl="3"/>
             <a:r>
-              <a:rPr lang="en-US" smtClean="0"/>
+              <a:rPr lang="en-US"/>
               <a:t>Fourth level</a:t>
             </a:r>
-            <a:endParaRPr lang="en-US" smtClean="0"/>
           </a:p>
           <a:p>
             <a:pPr lvl="4"/>
             <a:r>
-              <a:rPr lang="en-US" smtClean="0"/>
+              <a:rPr lang="en-US"/>
               <a:t>Fifth level</a:t>
             </a:r>
-            <a:endParaRPr lang="en-US"/>
           </a:p>
         </p:txBody>
       </p:sp>
@@ -1027,6 +1018,7 @@
           <a:p>
             <a:fld id="{FDE934FF-F4E1-47C5-9CA5-30A81DDE2BE4}" type="datetimeFigureOut">
               <a:rPr lang="en-US" smtClean="0"/>
+              <a:t>11/11/2018</a:t>
             </a:fld>
             <a:endParaRPr lang="en-US"/>
           </a:p>
@@ -1068,6 +1060,7 @@
           <a:p>
             <a:fld id="{B3561BA9-CDCF-4958-B8AB-66F3BF063E13}" type="slidenum">
               <a:rPr lang="en-US" smtClean="0"/>
+              <a:t>‹#›</a:t>
             </a:fld>
             <a:endParaRPr lang="en-US"/>
           </a:p>
@@ -1119,10 +1112,9 @@
           <a:lstStyle/>
           <a:p>
             <a:r>
-              <a:rPr lang="en-US" smtClean="0"/>
+              <a:rPr lang="en-US"/>
               <a:t>Click to edit Master title style</a:t>
             </a:r>
-            <a:endParaRPr lang="en-US"/>
           </a:p>
         </p:txBody>
       </p:sp>
@@ -1185,10 +1177,9 @@
           <a:p>
             <a:pPr lvl="0"/>
             <a:r>
-              <a:rPr lang="en-US" smtClean="0"/>
+              <a:rPr lang="en-US"/>
               <a:t>Click to edit Master text styles</a:t>
             </a:r>
-            <a:endParaRPr lang="en-US" smtClean="0"/>
           </a:p>
         </p:txBody>
       </p:sp>
@@ -1214,42 +1205,37 @@
           <a:p>
             <a:pPr lvl="0"/>
             <a:r>
-              <a:rPr lang="en-US" smtClean="0"/>
+              <a:rPr lang="en-US"/>
               <a:t>Click to edit Master text styles</a:t>
             </a:r>
-            <a:endParaRPr lang="en-US" smtClean="0"/>
           </a:p>
           <a:p>
             <a:pPr lvl="1"/>
             <a:r>
-              <a:rPr lang="en-US" smtClean="0"/>
+              <a:rPr lang="en-US"/>
               <a:t>Second level</a:t>
             </a:r>
-            <a:endParaRPr lang="en-US" smtClean="0"/>
           </a:p>
           <a:p>
             <a:pPr lvl="2"/>
             <a:r>
-              <a:rPr lang="en-US" smtClean="0"/>
+              <a:rPr lang="en-US"/>
               <a:t>Third level</a:t>
             </a:r>
-            <a:endParaRPr lang="en-US" smtClean="0"/>
           </a:p>
           <a:p>
             <a:pPr lvl="3"/>
             <a:r>
-              <a:rPr lang="en-US" smtClean="0"/>
+              <a:rPr lang="en-US"/>
               <a:t>Fourth level</a:t>
             </a:r>
-            <a:endParaRPr lang="en-US" smtClean="0"/>
           </a:p>
           <a:p>
             <a:pPr lvl="4"/>
             <a:r>
-              <a:rPr lang="en-US" smtClean="0"/>
+              <a:rPr lang="en-US"/>
               <a:t>Fifth level</a:t>
             </a:r>
-            <a:endParaRPr lang="en-US"/>
           </a:p>
         </p:txBody>
       </p:sp>
@@ -1312,10 +1298,9 @@
           <a:p>
             <a:pPr lvl="0"/>
             <a:r>
-              <a:rPr lang="en-US" smtClean="0"/>
+              <a:rPr lang="en-US"/>
               <a:t>Click to edit Master text styles</a:t>
             </a:r>
-            <a:endParaRPr lang="en-US" smtClean="0"/>
           </a:p>
         </p:txBody>
       </p:sp>
@@ -1341,42 +1326,37 @@
           <a:p>
             <a:pPr lvl="0"/>
             <a:r>
-              <a:rPr lang="en-US" smtClean="0"/>
+              <a:rPr lang="en-US"/>
               <a:t>Click to edit Master text styles</a:t>
             </a:r>
-            <a:endParaRPr lang="en-US" smtClean="0"/>
           </a:p>
           <a:p>
             <a:pPr lvl="1"/>
             <a:r>
-              <a:rPr lang="en-US" smtClean="0"/>
+              <a:rPr lang="en-US"/>
               <a:t>Second level</a:t>
             </a:r>
-            <a:endParaRPr lang="en-US" smtClean="0"/>
           </a:p>
           <a:p>
             <a:pPr lvl="2"/>
             <a:r>
-              <a:rPr lang="en-US" smtClean="0"/>
+              <a:rPr lang="en-US"/>
               <a:t>Third level</a:t>
             </a:r>
-            <a:endParaRPr lang="en-US" smtClean="0"/>
           </a:p>
           <a:p>
             <a:pPr lvl="3"/>
             <a:r>
-              <a:rPr lang="en-US" smtClean="0"/>
+              <a:rPr lang="en-US"/>
               <a:t>Fourth level</a:t>
             </a:r>
-            <a:endParaRPr lang="en-US" smtClean="0"/>
           </a:p>
           <a:p>
             <a:pPr lvl="4"/>
             <a:r>
-              <a:rPr lang="en-US" smtClean="0"/>
+              <a:rPr lang="en-US"/>
               <a:t>Fifth level</a:t>
             </a:r>
-            <a:endParaRPr lang="en-US"/>
           </a:p>
         </p:txBody>
       </p:sp>
@@ -1397,6 +1377,7 @@
           <a:p>
             <a:fld id="{FDE934FF-F4E1-47C5-9CA5-30A81DDE2BE4}" type="datetimeFigureOut">
               <a:rPr lang="en-US" smtClean="0"/>
+              <a:t>11/11/2018</a:t>
             </a:fld>
             <a:endParaRPr lang="en-US"/>
           </a:p>
@@ -1438,6 +1419,7 @@
           <a:p>
             <a:fld id="{B3561BA9-CDCF-4958-B8AB-66F3BF063E13}" type="slidenum">
               <a:rPr lang="en-US" smtClean="0"/>
+              <a:t>‹#›</a:t>
             </a:fld>
             <a:endParaRPr lang="en-US"/>
           </a:p>
@@ -1484,10 +1466,9 @@
           <a:lstStyle/>
           <a:p>
             <a:r>
-              <a:rPr lang="en-US" smtClean="0"/>
+              <a:rPr lang="en-US"/>
               <a:t>Click to edit Master title style</a:t>
             </a:r>
-            <a:endParaRPr lang="en-US"/>
           </a:p>
         </p:txBody>
       </p:sp>
@@ -1508,6 +1489,7 @@
           <a:p>
             <a:fld id="{FDE934FF-F4E1-47C5-9CA5-30A81DDE2BE4}" type="datetimeFigureOut">
               <a:rPr lang="en-US" smtClean="0"/>
+              <a:t>11/11/2018</a:t>
             </a:fld>
             <a:endParaRPr lang="en-US"/>
           </a:p>
@@ -1549,6 +1531,7 @@
           <a:p>
             <a:fld id="{B3561BA9-CDCF-4958-B8AB-66F3BF063E13}" type="slidenum">
               <a:rPr lang="en-US" smtClean="0"/>
+              <a:t>‹#›</a:t>
             </a:fld>
             <a:endParaRPr lang="en-US"/>
           </a:p>
@@ -1596,6 +1579,7 @@
           <a:p>
             <a:fld id="{FDE934FF-F4E1-47C5-9CA5-30A81DDE2BE4}" type="datetimeFigureOut">
               <a:rPr lang="en-US" smtClean="0"/>
+              <a:t>11/11/2018</a:t>
             </a:fld>
             <a:endParaRPr lang="en-US"/>
           </a:p>
@@ -1637,6 +1621,7 @@
           <a:p>
             <a:fld id="{B3561BA9-CDCF-4958-B8AB-66F3BF063E13}" type="slidenum">
               <a:rPr lang="en-US" smtClean="0"/>
+              <a:t>‹#›</a:t>
             </a:fld>
             <a:endParaRPr lang="en-US"/>
           </a:p>
@@ -1692,10 +1677,9 @@
           </a:lstStyle>
           <a:p>
             <a:r>
-              <a:rPr lang="en-US" smtClean="0"/>
+              <a:rPr lang="en-US"/>
               <a:t>Click to edit Master title style</a:t>
             </a:r>
-            <a:endParaRPr lang="en-US"/>
           </a:p>
         </p:txBody>
       </p:sp>
@@ -1819,10 +1803,9 @@
           <a:p>
             <a:pPr lvl="0"/>
             <a:r>
-              <a:rPr lang="en-US" smtClean="0"/>
+              <a:rPr lang="en-US"/>
               <a:t>Click to edit Master text styles</a:t>
             </a:r>
-            <a:endParaRPr lang="en-US" smtClean="0"/>
           </a:p>
         </p:txBody>
       </p:sp>
@@ -1843,6 +1826,7 @@
           <a:p>
             <a:fld id="{FDE934FF-F4E1-47C5-9CA5-30A81DDE2BE4}" type="datetimeFigureOut">
               <a:rPr lang="en-US" smtClean="0"/>
+              <a:t>11/11/2018</a:t>
             </a:fld>
             <a:endParaRPr lang="en-US"/>
           </a:p>
@@ -1884,6 +1868,7 @@
           <a:p>
             <a:fld id="{B3561BA9-CDCF-4958-B8AB-66F3BF063E13}" type="slidenum">
               <a:rPr lang="en-US" smtClean="0"/>
+              <a:t>‹#›</a:t>
             </a:fld>
             <a:endParaRPr lang="en-US"/>
           </a:p>
@@ -1894,13 +1879,6 @@
   <p:clrMapOvr>
     <a:masterClrMapping/>
   </p:clrMapOvr>
-  <p:timing>
-    <p:tnLst>
-      <p:par>
-        <p:cTn id="1" dur="indefinite" restart="never" nodeType="tmRoot"/>
-      </p:par>
-    </p:tnLst>
-  </p:timing>
 </p:sldLayout>
 </file>
 
@@ -1942,10 +1920,9 @@
           <a:lstStyle/>
           <a:p>
             <a:r>
-              <a:rPr lang="en-US" smtClean="0"/>
+              <a:rPr lang="en-US"/>
               <a:t>Click to edit Master title style</a:t>
             </a:r>
-            <a:endParaRPr lang="en-US"/>
           </a:p>
         </p:txBody>
       </p:sp>
@@ -1971,42 +1948,37 @@
           <a:p>
             <a:pPr lvl="0"/>
             <a:r>
-              <a:rPr lang="en-US" smtClean="0"/>
+              <a:rPr lang="en-US"/>
               <a:t>Click to edit Master text styles</a:t>
             </a:r>
-            <a:endParaRPr lang="en-US" smtClean="0"/>
           </a:p>
           <a:p>
             <a:pPr lvl="1"/>
             <a:r>
-              <a:rPr lang="en-US" smtClean="0"/>
+              <a:rPr lang="en-US"/>
               <a:t>Second level</a:t>
             </a:r>
-            <a:endParaRPr lang="en-US" smtClean="0"/>
           </a:p>
           <a:p>
             <a:pPr lvl="2"/>
             <a:r>
-              <a:rPr lang="en-US" smtClean="0"/>
+              <a:rPr lang="en-US"/>
               <a:t>Third level</a:t>
             </a:r>
-            <a:endParaRPr lang="en-US" smtClean="0"/>
           </a:p>
           <a:p>
             <a:pPr lvl="3"/>
             <a:r>
-              <a:rPr lang="en-US" smtClean="0"/>
+              <a:rPr lang="en-US"/>
               <a:t>Fourth level</a:t>
             </a:r>
-            <a:endParaRPr lang="en-US" smtClean="0"/>
           </a:p>
           <a:p>
             <a:pPr lvl="4"/>
             <a:r>
-              <a:rPr lang="en-US" smtClean="0"/>
+              <a:rPr lang="en-US"/>
               <a:t>Fifth level</a:t>
             </a:r>
-            <a:endParaRPr lang="en-US"/>
           </a:p>
         </p:txBody>
       </p:sp>
@@ -2027,6 +1999,7 @@
           <a:p>
             <a:fld id="{FDE934FF-F4E1-47C5-9CA5-30A81DDE2BE4}" type="datetimeFigureOut">
               <a:rPr lang="en-US" smtClean="0"/>
+              <a:t>11/11/2018</a:t>
             </a:fld>
             <a:endParaRPr lang="en-US"/>
           </a:p>
@@ -2068,6 +2041,7 @@
           <a:p>
             <a:fld id="{B3561BA9-CDCF-4958-B8AB-66F3BF063E13}" type="slidenum">
               <a:rPr lang="en-US" smtClean="0"/>
+              <a:t>‹#›</a:t>
             </a:fld>
             <a:endParaRPr lang="en-US"/>
           </a:p>
@@ -2129,10 +2103,9 @@
           <a:lstStyle/>
           <a:p>
             <a:r>
-              <a:rPr lang="en-US" smtClean="0"/>
+              <a:rPr lang="en-US"/>
               <a:t>Click to edit Master title style</a:t>
             </a:r>
-            <a:endParaRPr lang="en-US"/>
           </a:p>
         </p:txBody>
       </p:sp>
@@ -2163,42 +2136,37 @@
           <a:p>
             <a:pPr lvl="0"/>
             <a:r>
-              <a:rPr lang="en-US" smtClean="0"/>
+              <a:rPr lang="en-US"/>
               <a:t>Click to edit Master text styles</a:t>
             </a:r>
-            <a:endParaRPr lang="en-US" smtClean="0"/>
           </a:p>
           <a:p>
             <a:pPr lvl="1"/>
             <a:r>
-              <a:rPr lang="en-US" smtClean="0"/>
+              <a:rPr lang="en-US"/>
               <a:t>Second level</a:t>
             </a:r>
-            <a:endParaRPr lang="en-US" smtClean="0"/>
           </a:p>
           <a:p>
             <a:pPr lvl="2"/>
             <a:r>
-              <a:rPr lang="en-US" smtClean="0"/>
+              <a:rPr lang="en-US"/>
               <a:t>Third level</a:t>
             </a:r>
-            <a:endParaRPr lang="en-US" smtClean="0"/>
           </a:p>
           <a:p>
             <a:pPr lvl="3"/>
             <a:r>
-              <a:rPr lang="en-US" smtClean="0"/>
+              <a:rPr lang="en-US"/>
               <a:t>Fourth level</a:t>
             </a:r>
-            <a:endParaRPr lang="en-US" smtClean="0"/>
           </a:p>
           <a:p>
             <a:pPr lvl="4"/>
             <a:r>
-              <a:rPr lang="en-US" smtClean="0"/>
+              <a:rPr lang="en-US"/>
               <a:t>Fifth level</a:t>
             </a:r>
-            <a:endParaRPr lang="en-US"/>
           </a:p>
         </p:txBody>
       </p:sp>
@@ -2237,6 +2205,7 @@
           <a:p>
             <a:fld id="{FDE934FF-F4E1-47C5-9CA5-30A81DDE2BE4}" type="datetimeFigureOut">
               <a:rPr lang="en-US" smtClean="0"/>
+              <a:t>11/11/2018</a:t>
             </a:fld>
             <a:endParaRPr lang="en-US"/>
           </a:p>
@@ -2314,6 +2283,7 @@
           <a:p>
             <a:fld id="{B3561BA9-CDCF-4958-B8AB-66F3BF063E13}" type="slidenum">
               <a:rPr lang="en-US" smtClean="0"/>
+              <a:t>‹#›</a:t>
             </a:fld>
             <a:endParaRPr lang="en-US"/>
           </a:p>
@@ -2626,7 +2596,14 @@
         <p:cNvGrpSpPr/>
         <p:nvPr/>
       </p:nvGrpSpPr>
-      <p:grpSpPr/>
+      <p:grpSpPr>
+        <a:xfrm>
+          <a:off x="0" y="0"/>
+          <a:ext cx="0" cy="0"/>
+          <a:chOff x="0" y="0"/>
+          <a:chExt cx="0" cy="0"/>
+        </a:xfrm>
+      </p:grpSpPr>
       <p:pic>
         <p:nvPicPr>
           <p:cNvPr id="22" name="Picture 21" descr="UserTabPane_after_register_login"/>
@@ -2636,7 +2613,7 @@
           <p:nvPr/>
         </p:nvPicPr>
         <p:blipFill>
-          <a:blip r:embed="rId1"/>
+          <a:blip r:embed="rId2"/>
           <a:stretch>
             <a:fillRect/>
           </a:stretch>
@@ -2660,15 +2637,15 @@
           <p:nvPr/>
         </p:nvPicPr>
         <p:blipFill>
-          <a:blip r:embed="rId2"/>
+          <a:blip r:embed="rId3"/>
           <a:stretch>
             <a:fillRect/>
           </a:stretch>
         </p:blipFill>
         <p:spPr>
           <a:xfrm>
-            <a:off x="6066790" y="1331595"/>
-            <a:ext cx="2875915" cy="4066540"/>
+            <a:off x="6835416" y="1369693"/>
+            <a:ext cx="2848971" cy="4028441"/>
           </a:xfrm>
           <a:prstGeom prst="rect">
             <a:avLst/>
@@ -2683,7 +2660,7 @@
         </p:nvCxnSpPr>
         <p:spPr>
           <a:xfrm>
-            <a:off x="4612005" y="3637915"/>
+            <a:off x="4824037" y="3637915"/>
             <a:ext cx="2209165" cy="5080"/>
           </a:xfrm>
           <a:prstGeom prst="straightConnector1">
@@ -2719,7 +2696,7 @@
         </p:nvSpPr>
         <p:spPr>
           <a:xfrm>
-            <a:off x="6918325" y="1809750"/>
+            <a:off x="7713455" y="1809750"/>
             <a:ext cx="1910080" cy="3148965"/>
           </a:xfrm>
           <a:prstGeom prst="roundRect">
@@ -2761,6 +2738,7 @@
         </p:style>
         <p:txBody>
           <a:bodyPr rtlCol="0" anchor="ctr"/>
+          <a:lstStyle/>
           <a:p>
             <a:pPr algn="ctr"/>
             <a:endParaRPr lang="en-US"/>
@@ -2817,22 +2795,193 @@
         </p:style>
         <p:txBody>
           <a:bodyPr rtlCol="0" anchor="ctr"/>
+          <a:lstStyle/>
           <a:p>
             <a:pPr algn="ctr"/>
             <a:endParaRPr lang="en-US"/>
+          </a:p>
+        </p:txBody>
+      </p:sp>
+      <p:sp>
+        <p:nvSpPr>
+          <p:cNvPr id="7" name="Rectangle 6">
+            <a:extLst>
+              <a:ext uri="{FF2B5EF4-FFF2-40B4-BE49-F238E27FC236}">
+                <a16:creationId xmlns:a16="http://schemas.microsoft.com/office/drawing/2014/main" id="{AEF7A12E-F507-445A-8C7C-A2734B7FB407}"/>
+              </a:ext>
+            </a:extLst>
+          </p:cNvPr>
+          <p:cNvSpPr/>
+          <p:nvPr/>
+        </p:nvSpPr>
+        <p:spPr>
+          <a:xfrm>
+            <a:off x="1096667" y="5536554"/>
+            <a:ext cx="4420826" cy="369332"/>
+          </a:xfrm>
+          <a:prstGeom prst="rect">
+            <a:avLst/>
+          </a:prstGeom>
+        </p:spPr>
+        <p:txBody>
+          <a:bodyPr wrap="none">
+            <a:spAutoFit/>
+          </a:bodyPr>
+          <a:lstStyle/>
+          <a:p>
+            <a:r>
+              <a:rPr lang="en-US" i="1" dirty="0">
+                <a:latin typeface="Times New Roman" panose="02020603050405020304" pitchFamily="18" charset="0"/>
+                <a:cs typeface="Times New Roman" panose="02020603050405020304" pitchFamily="18" charset="0"/>
+              </a:rPr>
+              <a:t>Fig 4a. Before execution of Logout command.</a:t>
+            </a:r>
+            <a:endParaRPr lang="en-SG" dirty="0">
+              <a:latin typeface="Times New Roman" panose="02020603050405020304" pitchFamily="18" charset="0"/>
+              <a:cs typeface="Times New Roman" panose="02020603050405020304" pitchFamily="18" charset="0"/>
+            </a:endParaRPr>
+          </a:p>
+        </p:txBody>
+      </p:sp>
+      <p:sp>
+        <p:nvSpPr>
+          <p:cNvPr id="8" name="Rectangle 7">
+            <a:extLst>
+              <a:ext uri="{FF2B5EF4-FFF2-40B4-BE49-F238E27FC236}">
+                <a16:creationId xmlns:a16="http://schemas.microsoft.com/office/drawing/2014/main" id="{0C23E4FA-B220-46F3-AE7D-384C9C5D76CA}"/>
+              </a:ext>
+            </a:extLst>
+          </p:cNvPr>
+          <p:cNvSpPr/>
+          <p:nvPr/>
+        </p:nvSpPr>
+        <p:spPr>
+          <a:xfrm>
+            <a:off x="5974660" y="5537338"/>
+            <a:ext cx="4570482" cy="369332"/>
+          </a:xfrm>
+          <a:prstGeom prst="rect">
+            <a:avLst/>
+          </a:prstGeom>
+        </p:spPr>
+        <p:txBody>
+          <a:bodyPr wrap="none">
+            <a:spAutoFit/>
+          </a:bodyPr>
+          <a:lstStyle/>
+          <a:p>
+            <a:r>
+              <a:rPr lang="en-US" i="1">
+                <a:latin typeface="Times New Roman" panose="02020603050405020304" pitchFamily="18" charset="0"/>
+                <a:cs typeface="Times New Roman" panose="02020603050405020304" pitchFamily="18" charset="0"/>
+              </a:rPr>
+              <a:t>Fig 4b</a:t>
+            </a:r>
+            <a:r>
+              <a:rPr lang="en-US" i="1" dirty="0">
+                <a:latin typeface="Times New Roman" panose="02020603050405020304" pitchFamily="18" charset="0"/>
+                <a:cs typeface="Times New Roman" panose="02020603050405020304" pitchFamily="18" charset="0"/>
+              </a:rPr>
+              <a:t>. Expected UI Output(Logout Command)</a:t>
+            </a:r>
+            <a:endParaRPr lang="en-SG" dirty="0">
+              <a:latin typeface="Times New Roman" panose="02020603050405020304" pitchFamily="18" charset="0"/>
+              <a:cs typeface="Times New Roman" panose="02020603050405020304" pitchFamily="18" charset="0"/>
+            </a:endParaRPr>
+          </a:p>
+        </p:txBody>
+      </p:sp>
+    </p:spTree>
+  </p:cSld>
+  <p:clrMapOvr>
+    <a:masterClrMapping/>
+  </p:clrMapOvr>
+</p:sld>
+</file>
+
+<file path=ppt/slides/slide2.xml><?xml version="1.0" encoding="utf-8"?>
+<p:sld xmlns:a="http://schemas.openxmlformats.org/drawingml/2006/main" xmlns:r="http://schemas.openxmlformats.org/officeDocument/2006/relationships" xmlns:p="http://schemas.openxmlformats.org/presentationml/2006/main">
+  <p:cSld>
+    <p:spTree>
+      <p:nvGrpSpPr>
+        <p:cNvPr id="1" name=""/>
+        <p:cNvGrpSpPr/>
+        <p:nvPr/>
+      </p:nvGrpSpPr>
+      <p:grpSpPr>
+        <a:xfrm>
+          <a:off x="0" y="0"/>
+          <a:ext cx="0" cy="0"/>
+          <a:chOff x="0" y="0"/>
+          <a:chExt cx="0" cy="0"/>
+        </a:xfrm>
+      </p:grpSpPr>
+      <p:sp>
+        <p:nvSpPr>
+          <p:cNvPr id="2" name="Title 1">
+            <a:extLst>
+              <a:ext uri="{FF2B5EF4-FFF2-40B4-BE49-F238E27FC236}">
+                <a16:creationId xmlns:a16="http://schemas.microsoft.com/office/drawing/2014/main" id="{E0F0888A-63C9-4FA4-9CB1-F478D9B08153}"/>
+              </a:ext>
+            </a:extLst>
+          </p:cNvPr>
+          <p:cNvSpPr>
+            <a:spLocks noGrp="1"/>
+          </p:cNvSpPr>
+          <p:nvPr>
+            <p:ph type="title"/>
+          </p:nvPr>
+        </p:nvSpPr>
+        <p:spPr/>
+        <p:txBody>
+          <a:bodyPr/>
+          <a:lstStyle/>
+          <a:p>
+            <a:endParaRPr lang="en-SG"/>
+          </a:p>
+        </p:txBody>
+      </p:sp>
+      <p:sp>
+        <p:nvSpPr>
+          <p:cNvPr id="3" name="Content Placeholder 2">
+            <a:extLst>
+              <a:ext uri="{FF2B5EF4-FFF2-40B4-BE49-F238E27FC236}">
+                <a16:creationId xmlns:a16="http://schemas.microsoft.com/office/drawing/2014/main" id="{4DDB6EDA-AB22-49EE-B4C1-188827F3769F}"/>
+              </a:ext>
+            </a:extLst>
+          </p:cNvPr>
+          <p:cNvSpPr>
+            <a:spLocks noGrp="1"/>
+          </p:cNvSpPr>
+          <p:nvPr>
+            <p:ph idx="1"/>
+          </p:nvPr>
+        </p:nvSpPr>
+        <p:spPr/>
+        <p:txBody>
+          <a:bodyPr/>
+          <a:lstStyle/>
+          <a:p>
+            <a:endParaRPr lang="en-SG"/>
           </a:p>
         </p:txBody>
       </p:sp>
       <p:pic>
         <p:nvPicPr>
-          <p:cNvPr id="2" name="Picture 1" descr="logout_command"/>
+          <p:cNvPr id="4" name="Picture 3" descr="logout_command">
+            <a:extLst>
+              <a:ext uri="{FF2B5EF4-FFF2-40B4-BE49-F238E27FC236}">
+                <a16:creationId xmlns:a16="http://schemas.microsoft.com/office/drawing/2014/main" id="{91976A5A-0C40-48B3-95F4-B708A7F00DE5}"/>
+              </a:ext>
+            </a:extLst>
+          </p:cNvPr>
           <p:cNvPicPr>
             <a:picLocks noChangeAspect="1"/>
           </p:cNvPicPr>
           <p:nvPr/>
         </p:nvPicPr>
         <p:blipFill>
-          <a:blip r:embed="rId3"/>
+          <a:blip r:embed="rId2"/>
           <a:srcRect r="55261"/>
           <a:stretch>
             <a:fillRect/>
@@ -2840,7 +2989,7 @@
         </p:blipFill>
         <p:spPr>
           <a:xfrm>
-            <a:off x="3649345" y="273050"/>
+            <a:off x="4462372" y="1185862"/>
             <a:ext cx="3434080" cy="866775"/>
           </a:xfrm>
           <a:prstGeom prst="rect">
@@ -2849,6 +2998,11 @@
         </p:spPr>
       </p:pic>
     </p:spTree>
+    <p:extLst>
+      <p:ext uri="{BB962C8B-B14F-4D97-AF65-F5344CB8AC3E}">
+        <p14:creationId xmlns:p14="http://schemas.microsoft.com/office/powerpoint/2010/main" val="4022041145"/>
+      </p:ext>
+    </p:extLst>
   </p:cSld>
   <p:clrMapOvr>
     <a:masterClrMapping/>
@@ -3107,6 +3261,8 @@
       </a:bgFillStyleLst>
     </a:fmtScheme>
   </a:themeElements>
+  <a:objectDefaults/>
+  <a:extraClrSchemeLst/>
   <a:extLst>
     <a:ext uri="{05A4C25C-085E-4340-85A3-A5531E510DB2}">
       <thm15:themeFamily xmlns:thm15="http://schemas.microsoft.com/office/thememl/2012/main" name="Office Theme" id="{62F939B6-93AF-4DB8-9C6B-D6C7DFDC589F}" vid="{4A3C46E8-61CC-4603-A589-7422A47A8E4A}"/>
